--- a/HW/FinalProject/final_project.pptx
+++ b/HW/FinalProject/final_project.pptx
@@ -9,11 +9,11 @@
     <p:notesMasterId r:id="rId22"/>
   </p:notesMasterIdLst>
   <p:sldIdLst>
-    <p:sldId id="256" r:id="rId3"/>
-    <p:sldId id="257" r:id="rId4"/>
-    <p:sldId id="259" r:id="rId5"/>
-    <p:sldId id="260" r:id="rId6"/>
-    <p:sldId id="262" r:id="rId7"/>
+    <p:sldId id="276" r:id="rId3"/>
+    <p:sldId id="256" r:id="rId4"/>
+    <p:sldId id="257" r:id="rId5"/>
+    <p:sldId id="259" r:id="rId6"/>
+    <p:sldId id="260" r:id="rId7"/>
     <p:sldId id="261" r:id="rId8"/>
     <p:sldId id="263" r:id="rId9"/>
     <p:sldId id="264" r:id="rId10"/>
@@ -126,6 +126,11 @@
       </a:defRPr>
     </a:lvl9pPr>
   </p:defaultTextStyle>
+  <p:extLst>
+    <p:ext uri="{EFAFB233-063F-42B5-8137-9DF3F51BA10A}">
+      <p15:sldGuideLst xmlns:p15="http://schemas.microsoft.com/office/powerpoint/2012/main"/>
+    </p:ext>
+  </p:extLst>
 </p:presentation>
 </file>
 
@@ -582,7 +587,7 @@
           <a:p>
             <a:fld id="{CF4A48AD-E61C-492B-8FFE-9A22FC5E3F71}" type="slidenum">
               <a:rPr lang="zh-TW" altLang="en-US" smtClean="0"/>
-              <a:t>3</a:t>
+              <a:t>4</a:t>
             </a:fld>
             <a:endParaRPr lang="zh-TW" altLang="en-US"/>
           </a:p>
@@ -1733,7 +1738,7 @@
           <a:p>
             <a:fld id="{CF4A48AD-E61C-492B-8FFE-9A22FC5E3F71}" type="slidenum">
               <a:rPr lang="zh-TW" altLang="en-US" smtClean="0"/>
-              <a:t>4</a:t>
+              <a:t>5</a:t>
             </a:fld>
             <a:endParaRPr lang="zh-TW" altLang="en-US"/>
           </a:p>
@@ -9566,340 +9571,49 @@
       </p:grpSpPr>
       <p:sp>
         <p:nvSpPr>
-          <p:cNvPr id="41" name="Text Box 3">
+          <p:cNvPr id="13" name="Picture Placeholder 12">
             <a:extLst>
               <a:ext uri="{FF2B5EF4-FFF2-40B4-BE49-F238E27FC236}">
-                <a16:creationId xmlns:a16="http://schemas.microsoft.com/office/drawing/2014/main" id="{C30C2FCA-6308-7244-94B9-A000AB223382}"/>
+                <a16:creationId xmlns:a16="http://schemas.microsoft.com/office/drawing/2014/main" id="{33F0A232-7912-E04A-AB02-EDA76ED61941}"/>
               </a:ext>
             </a:extLst>
           </p:cNvPr>
-          <p:cNvSpPr txBox="1">
-            <a:spLocks/>
+          <p:cNvSpPr>
+            <a:spLocks noGrp="1"/>
           </p:cNvSpPr>
-          <p:nvPr/>
-        </p:nvSpPr>
-        <p:spPr bwMode="auto">
-          <a:xfrm>
-            <a:off x="1016722" y="790071"/>
-            <a:ext cx="11175278" cy="1831181"/>
-          </a:xfrm>
-          <a:prstGeom prst="rect">
-            <a:avLst/>
-          </a:prstGeom>
-          <a:noFill/>
-          <a:ln>
-            <a:noFill/>
-          </a:ln>
-          <a:effectLst/>
-          <a:extLst>
-            <a:ext uri="{909E8E84-426E-40DD-AFC4-6F175D3DCCD1}">
-              <a14:hiddenFill xmlns:a14="http://schemas.microsoft.com/office/drawing/2010/main">
-                <a:solidFill>
-                  <a:srgbClr val="FFFFFF"/>
-                </a:solidFill>
-              </a14:hiddenFill>
-            </a:ext>
-            <a:ext uri="{91240B29-F687-4F45-9708-019B960494DF}">
-              <a14:hiddenLine xmlns:a14="http://schemas.microsoft.com/office/drawing/2010/main" w="3175" cap="flat" cmpd="sng">
-                <a:solidFill>
-                  <a:srgbClr val="000000"/>
-                </a:solidFill>
-                <a:prstDash val="solid"/>
-                <a:miter lim="400000"/>
-                <a:headEnd type="none" w="med" len="med"/>
-                <a:tailEnd type="none" w="med" len="med"/>
-              </a14:hiddenLine>
-            </a:ext>
-            <a:ext uri="{AF507438-7753-43E0-B8FC-AC1667EBCBE1}">
-              <a14:hiddenEffects xmlns:a14="http://schemas.microsoft.com/office/drawing/2010/main">
-                <a:effectLst>
-                  <a:outerShdw blurRad="63500" dist="38099" dir="2700000" algn="ctr" rotWithShape="0">
-                    <a:srgbClr val="000000">
-                      <a:alpha val="74998"/>
-                    </a:srgbClr>
-                  </a:outerShdw>
-                </a:effectLst>
-              </a14:hiddenEffects>
-            </a:ext>
-          </a:extLst>
-        </p:spPr>
-        <p:txBody>
-          <a:bodyPr lIns="19050" tIns="19050" rIns="19050" bIns="19050"/>
-          <a:lstStyle/>
-          <a:p>
-            <a:pPr defTabSz="412750" fontAlgn="base" hangingPunct="0">
-              <a:spcBef>
-                <a:spcPct val="0"/>
-              </a:spcBef>
-              <a:spcAft>
-                <a:spcPct val="0"/>
-              </a:spcAft>
-              <a:defRPr/>
-            </a:pPr>
-            <a:r>
-              <a:rPr lang="en-US" altLang="zh-TW" sz="4000" b="1" dirty="0" smtClean="0">
-                <a:solidFill>
-                  <a:srgbClr val="292729"/>
-                </a:solidFill>
-                <a:latin typeface="Montserrat" pitchFamily="2" charset="0"/>
-                <a:ea typeface="Montserrat Semi" charset="0"/>
-                <a:cs typeface="Montserrat Semi" charset="0"/>
-                <a:sym typeface="Poppins Medium" charset="0"/>
-              </a:rPr>
-              <a:t>PTT</a:t>
-            </a:r>
-            <a:r>
-              <a:rPr lang="zh-TW" altLang="en-US" sz="4000" b="1" dirty="0" smtClean="0">
-                <a:solidFill>
-                  <a:srgbClr val="292729"/>
-                </a:solidFill>
-                <a:latin typeface="Montserrat" pitchFamily="2" charset="0"/>
-                <a:ea typeface="Montserrat Semi" charset="0"/>
-                <a:cs typeface="Montserrat Semi" charset="0"/>
-                <a:sym typeface="Poppins Medium" charset="0"/>
-              </a:rPr>
-              <a:t> </a:t>
-            </a:r>
-            <a:r>
-              <a:rPr lang="en-US" altLang="zh-TW" sz="4000" b="1" dirty="0">
-                <a:solidFill>
-                  <a:srgbClr val="292729"/>
-                </a:solidFill>
-                <a:latin typeface="Montserrat" pitchFamily="2" charset="0"/>
-                <a:ea typeface="Montserrat Semi" charset="0"/>
-                <a:cs typeface="Montserrat Semi" charset="0"/>
-                <a:sym typeface="Poppins Medium" charset="0"/>
-              </a:rPr>
-              <a:t>Insurance </a:t>
-            </a:r>
-            <a:r>
-              <a:rPr lang="en-US" altLang="zh-TW" sz="4000" b="1" dirty="0" smtClean="0">
-                <a:solidFill>
-                  <a:srgbClr val="292729"/>
-                </a:solidFill>
-                <a:latin typeface="Montserrat" pitchFamily="2" charset="0"/>
-                <a:ea typeface="Montserrat Semi" charset="0"/>
-                <a:cs typeface="Montserrat Semi" charset="0"/>
-                <a:sym typeface="Poppins Medium" charset="0"/>
-              </a:rPr>
-              <a:t>Crawl</a:t>
-            </a:r>
-            <a:endParaRPr lang="en-US" altLang="x-none" sz="2000" b="1" dirty="0" smtClean="0">
-              <a:solidFill>
-                <a:srgbClr val="03DEB1"/>
-              </a:solidFill>
-              <a:latin typeface="Montserrat" pitchFamily="2" charset="0"/>
-              <a:ea typeface="Montserrat Semi" charset="0"/>
-              <a:cs typeface="Montserrat Semi" charset="0"/>
-              <a:sym typeface="Poppins Medium" charset="0"/>
-            </a:endParaRPr>
-          </a:p>
-          <a:p>
-            <a:pPr defTabSz="412750" fontAlgn="base" hangingPunct="0">
-              <a:spcBef>
-                <a:spcPct val="0"/>
-              </a:spcBef>
-              <a:spcAft>
-                <a:spcPct val="0"/>
-              </a:spcAft>
-              <a:defRPr/>
-            </a:pPr>
-            <a:r>
-              <a:rPr lang="en-US" altLang="x-none" sz="2000" b="1" dirty="0" smtClean="0">
-                <a:solidFill>
-                  <a:srgbClr val="03DEB1"/>
-                </a:solidFill>
-                <a:latin typeface="Montserrat" pitchFamily="2" charset="0"/>
-                <a:ea typeface="Montserrat Semi" charset="0"/>
-                <a:cs typeface="Montserrat Semi" charset="0"/>
-                <a:sym typeface="Poppins Medium" charset="0"/>
-              </a:rPr>
-              <a:t>Using keyword “</a:t>
-            </a:r>
-            <a:r>
-              <a:rPr lang="zh-TW" altLang="en-US" sz="2000" b="1" dirty="0" smtClean="0">
-                <a:solidFill>
-                  <a:srgbClr val="03DEB1"/>
-                </a:solidFill>
-                <a:latin typeface="Montserrat" pitchFamily="2" charset="0"/>
-                <a:ea typeface="Montserrat Semi" charset="0"/>
-                <a:cs typeface="Montserrat Semi" charset="0"/>
-                <a:sym typeface="Poppins Medium" charset="0"/>
-              </a:rPr>
-              <a:t>南山</a:t>
-            </a:r>
-            <a:r>
-              <a:rPr lang="en-US" altLang="x-none" sz="2000" b="1" dirty="0" smtClean="0">
-                <a:solidFill>
-                  <a:srgbClr val="03DEB1"/>
-                </a:solidFill>
-                <a:latin typeface="Montserrat" pitchFamily="2" charset="0"/>
-                <a:ea typeface="Montserrat Semi" charset="0"/>
-                <a:cs typeface="Montserrat Semi" charset="0"/>
-                <a:sym typeface="Poppins Medium" charset="0"/>
-              </a:rPr>
-              <a:t>”</a:t>
-            </a:r>
-            <a:r>
-              <a:rPr lang="zh-TW" altLang="en-US" sz="2000" b="1" dirty="0" smtClean="0">
-                <a:solidFill>
-                  <a:srgbClr val="03DEB1"/>
-                </a:solidFill>
-                <a:latin typeface="Montserrat" pitchFamily="2" charset="0"/>
-                <a:ea typeface="Montserrat Semi" charset="0"/>
-                <a:cs typeface="Montserrat Semi" charset="0"/>
-                <a:sym typeface="Poppins Medium" charset="0"/>
-              </a:rPr>
-              <a:t> </a:t>
-            </a:r>
-            <a:r>
-              <a:rPr lang="en-US" altLang="zh-TW" sz="2000" b="1" dirty="0" smtClean="0">
-                <a:solidFill>
-                  <a:srgbClr val="03DEB1"/>
-                </a:solidFill>
-                <a:latin typeface="Montserrat" pitchFamily="2" charset="0"/>
-                <a:ea typeface="Montserrat Semi" charset="0"/>
-                <a:cs typeface="Montserrat Semi" charset="0"/>
-                <a:sym typeface="Poppins Medium" charset="0"/>
-              </a:rPr>
-              <a:t>to crawl data from </a:t>
-            </a:r>
-            <a:r>
-              <a:rPr lang="en-US" altLang="zh-TW" sz="2000" b="1" dirty="0" err="1" smtClean="0">
-                <a:solidFill>
-                  <a:srgbClr val="03DEB1"/>
-                </a:solidFill>
-                <a:latin typeface="Montserrat" pitchFamily="2" charset="0"/>
-                <a:ea typeface="Montserrat Semi" charset="0"/>
-                <a:cs typeface="Montserrat Semi" charset="0"/>
-                <a:sym typeface="Poppins Medium" charset="0"/>
-              </a:rPr>
-              <a:t>ptt</a:t>
-            </a:r>
-            <a:endParaRPr lang="en-US" altLang="x-none" sz="2000" b="1" dirty="0" smtClean="0">
-              <a:solidFill>
-                <a:srgbClr val="03DEB1"/>
-              </a:solidFill>
-              <a:latin typeface="Montserrat" pitchFamily="2" charset="0"/>
-              <a:ea typeface="Montserrat Semi" charset="0"/>
-              <a:cs typeface="Montserrat Semi" charset="0"/>
-              <a:sym typeface="Poppins Medium" charset="0"/>
-            </a:endParaRPr>
-          </a:p>
-          <a:p>
-            <a:pPr defTabSz="412750" fontAlgn="base" hangingPunct="0">
-              <a:spcBef>
-                <a:spcPct val="0"/>
-              </a:spcBef>
-              <a:spcAft>
-                <a:spcPct val="0"/>
-              </a:spcAft>
-              <a:defRPr/>
-            </a:pPr>
-            <a:endParaRPr lang="en-US" altLang="x-none" sz="2000" b="1" dirty="0">
-              <a:solidFill>
-                <a:srgbClr val="03DEB1"/>
-              </a:solidFill>
-              <a:latin typeface="Montserrat" pitchFamily="2" charset="0"/>
-              <a:ea typeface="Montserrat Semi" charset="0"/>
-              <a:cs typeface="Montserrat Semi" charset="0"/>
-              <a:sym typeface="Poppins Medium" charset="0"/>
-            </a:endParaRPr>
-          </a:p>
-          <a:p>
-            <a:pPr defTabSz="412750" fontAlgn="base" hangingPunct="0">
-              <a:spcBef>
-                <a:spcPct val="0"/>
-              </a:spcBef>
-              <a:spcAft>
-                <a:spcPct val="0"/>
-              </a:spcAft>
-              <a:defRPr/>
-            </a:pPr>
-            <a:endParaRPr lang="en-US" altLang="x-none" sz="2000" b="1" dirty="0" smtClean="0">
-              <a:solidFill>
-                <a:srgbClr val="03DEB1"/>
-              </a:solidFill>
-              <a:latin typeface="Montserrat" pitchFamily="2" charset="0"/>
-              <a:ea typeface="Montserrat Semi" charset="0"/>
-              <a:cs typeface="Montserrat Semi" charset="0"/>
-              <a:sym typeface="Poppins Medium" charset="0"/>
-            </a:endParaRPr>
-          </a:p>
-          <a:p>
-            <a:pPr algn="ctr" defTabSz="412750" fontAlgn="base" hangingPunct="0">
-              <a:spcBef>
-                <a:spcPct val="0"/>
-              </a:spcBef>
-              <a:spcAft>
-                <a:spcPct val="0"/>
-              </a:spcAft>
-              <a:defRPr/>
-            </a:pPr>
-            <a:r>
-              <a:rPr lang="en-US" altLang="x-none" b="1" dirty="0" smtClean="0">
-                <a:solidFill>
-                  <a:srgbClr val="03DEB1"/>
-                </a:solidFill>
-                <a:latin typeface="Montserrat" pitchFamily="2" charset="0"/>
-                <a:ea typeface="Montserrat Semi" charset="0"/>
-                <a:cs typeface="Montserrat Semi" charset="0"/>
-                <a:sym typeface="Poppins Medium" charset="0"/>
-              </a:rPr>
-              <a:t>Three categories : Author, Title, URL</a:t>
-            </a:r>
-            <a:endParaRPr lang="x-none" altLang="x-none" b="1" dirty="0">
-              <a:solidFill>
-                <a:srgbClr val="03DEB1"/>
-              </a:solidFill>
-              <a:latin typeface="Montserrat" pitchFamily="2" charset="0"/>
-              <a:ea typeface="Montserrat Semi" charset="0"/>
-              <a:cs typeface="Montserrat Semi" charset="0"/>
-              <a:sym typeface="Poppins Medium" charset="0"/>
-            </a:endParaRPr>
-          </a:p>
-        </p:txBody>
-      </p:sp>
-      <p:pic>
-        <p:nvPicPr>
-          <p:cNvPr id="5" name="圖片 4"/>
-          <p:cNvPicPr>
-            <a:picLocks noChangeAspect="1"/>
-          </p:cNvPicPr>
-          <p:nvPr/>
-        </p:nvPicPr>
-        <p:blipFill>
-          <a:blip r:embed="rId2"/>
-          <a:stretch>
-            <a:fillRect/>
-          </a:stretch>
-        </p:blipFill>
+          <p:nvPr>
+            <p:ph type="pic" sz="quarter" idx="18"/>
+          </p:nvPr>
+        </p:nvSpPr>
         <p:spPr>
           <a:xfrm>
-            <a:off x="2522250" y="2967739"/>
-            <a:ext cx="7743825" cy="2228850"/>
+            <a:off x="6096000" y="530008"/>
+            <a:ext cx="5508625" cy="5761800"/>
           </a:xfrm>
-          <a:prstGeom prst="rect">
-            <a:avLst/>
-          </a:prstGeom>
         </p:spPr>
-      </p:pic>
-      <p:sp>
-        <p:nvSpPr>
-          <p:cNvPr id="9" name="矩形 8"/>
+      </p:sp>
+      <p:sp>
+        <p:nvSpPr>
+          <p:cNvPr id="17" name="Прямоугольник 16">
+            <a:extLst>
+              <a:ext uri="{FF2B5EF4-FFF2-40B4-BE49-F238E27FC236}">
+                <a16:creationId xmlns:a16="http://schemas.microsoft.com/office/drawing/2014/main" id="{9698CE4D-7A22-AD4F-B05B-A7F55F0D39D0}"/>
+              </a:ext>
+            </a:extLst>
+          </p:cNvPr>
           <p:cNvSpPr/>
           <p:nvPr/>
         </p:nvSpPr>
         <p:spPr bwMode="auto">
-          <a:xfrm>
-            <a:off x="-353480" y="6416565"/>
-            <a:ext cx="13495283" cy="108000"/>
+          <a:xfrm rot="5400000">
+            <a:off x="1433021" y="117036"/>
+            <a:ext cx="426429" cy="192360"/>
           </a:xfrm>
           <a:prstGeom prst="rect">
             <a:avLst/>
           </a:prstGeom>
           <a:solidFill>
-            <a:srgbClr val="03DEB1"/>
+            <a:schemeClr val="accent2"/>
           </a:solidFill>
           <a:ln w="12700" cap="flat" cmpd="sng" algn="ctr">
             <a:noFill/>
@@ -9908,16 +9622,10 @@
             <a:headEnd type="none" w="med" len="med"/>
             <a:tailEnd type="none" w="med" len="med"/>
           </a:ln>
-          <a:effectLst>
-            <a:outerShdw blurRad="25400" algn="ctr" rotWithShape="0">
-              <a:srgbClr val="000000">
-                <a:alpha val="50000"/>
-              </a:srgbClr>
-            </a:outerShdw>
-          </a:effectLst>
+          <a:effectLst/>
         </p:spPr>
         <p:txBody>
-          <a:bodyPr vert="horz" wrap="square" lIns="38100" tIns="38100" rIns="38100" bIns="38100" numCol="1" rtlCol="0" anchor="ctr" anchorCtr="0" compatLnSpc="1">
+          <a:bodyPr vert="horz" wrap="square" lIns="19050" tIns="19050" rIns="19050" bIns="19050" numCol="1" rtlCol="0" anchor="ctr" anchorCtr="0" compatLnSpc="1">
             <a:prstTxWarp prst="textNoShape">
               <a:avLst/>
             </a:prstTxWarp>
@@ -9925,30 +9633,18 @@
           </a:bodyPr>
           <a:lstStyle/>
           <a:p>
-            <a:pPr marL="0" marR="0" indent="0" algn="l" defTabSz="825500" rtl="0" eaLnBrk="1" fontAlgn="base" latinLnBrk="0" hangingPunct="0">
-              <a:lnSpc>
-                <a:spcPct val="100000"/>
-              </a:lnSpc>
+            <a:pPr defTabSz="412750" fontAlgn="base" hangingPunct="0">
               <a:spcBef>
                 <a:spcPct val="0"/>
               </a:spcBef>
               <a:spcAft>
                 <a:spcPct val="0"/>
               </a:spcAft>
-              <a:buClrTx/>
-              <a:buSzTx/>
-              <a:buFontTx/>
-              <a:buNone/>
-              <a:tabLst/>
             </a:pPr>
-            <a:endParaRPr kumimoji="0" lang="zh-TW" altLang="en-US" sz="2000" b="0" i="0" u="none" strike="noStrike" cap="none" normalizeH="0" baseline="0">
-              <a:ln>
-                <a:noFill/>
-              </a:ln>
+            <a:endParaRPr lang="ru-RU" sz="1000">
               <a:solidFill>
                 <a:srgbClr val="74808C"/>
               </a:solidFill>
-              <a:effectLst/>
               <a:latin typeface="Poppins" charset="0"/>
               <a:ea typeface="Poppins" charset="0"/>
               <a:cs typeface="Poppins" charset="0"/>
@@ -9957,10 +9653,187 @@
           </a:p>
         </p:txBody>
       </p:sp>
+      <p:sp>
+        <p:nvSpPr>
+          <p:cNvPr id="19" name="Text Box 3">
+            <a:extLst>
+              <a:ext uri="{FF2B5EF4-FFF2-40B4-BE49-F238E27FC236}">
+                <a16:creationId xmlns:a16="http://schemas.microsoft.com/office/drawing/2014/main" id="{6744E674-7208-E647-A3EF-2D6384DD97E8}"/>
+              </a:ext>
+            </a:extLst>
+          </p:cNvPr>
+          <p:cNvSpPr txBox="1">
+            <a:spLocks/>
+          </p:cNvSpPr>
+          <p:nvPr/>
+        </p:nvSpPr>
+        <p:spPr bwMode="auto">
+          <a:xfrm>
+            <a:off x="334224" y="2773138"/>
+            <a:ext cx="10167521" cy="861507"/>
+          </a:xfrm>
+          <a:prstGeom prst="rect">
+            <a:avLst/>
+          </a:prstGeom>
+          <a:solidFill>
+            <a:schemeClr val="accent2"/>
+          </a:solidFill>
+          <a:ln>
+            <a:noFill/>
+          </a:ln>
+          <a:effectLst/>
+          <a:extLst/>
+        </p:spPr>
+        <p:txBody>
+          <a:bodyPr lIns="19050" tIns="19050" rIns="19050" bIns="19050"/>
+          <a:lstStyle/>
+          <a:p>
+            <a:pPr>
+              <a:defRPr/>
+            </a:pPr>
+            <a:r>
+              <a:rPr lang="zh-TW" altLang="en-US" sz="4800" b="1" dirty="0">
+                <a:solidFill>
+                  <a:srgbClr val="292729"/>
+                </a:solidFill>
+                <a:latin typeface="Montserrat" pitchFamily="2" charset="0"/>
+                <a:ea typeface="Montserrat Semi" charset="0"/>
+                <a:cs typeface="Montserrat Semi" charset="0"/>
+                <a:sym typeface="Poppins Medium" charset="0"/>
+              </a:rPr>
+              <a:t>南山理賠服務及理賠再</a:t>
+            </a:r>
+            <a:r>
+              <a:rPr lang="zh-TW" altLang="en-US" sz="4800" b="1" dirty="0" smtClean="0">
+                <a:solidFill>
+                  <a:srgbClr val="292729"/>
+                </a:solidFill>
+                <a:latin typeface="Montserrat" pitchFamily="2" charset="0"/>
+                <a:ea typeface="Montserrat Semi" charset="0"/>
+                <a:cs typeface="Montserrat Semi" charset="0"/>
+                <a:sym typeface="Poppins Medium" charset="0"/>
+              </a:rPr>
+              <a:t>購</a:t>
+            </a:r>
+            <a:r>
+              <a:rPr lang="zh-TW" altLang="en-US" sz="4800" b="1" dirty="0">
+                <a:solidFill>
+                  <a:srgbClr val="292729"/>
+                </a:solidFill>
+                <a:latin typeface="Montserrat" pitchFamily="2" charset="0"/>
+                <a:ea typeface="Montserrat Semi" charset="0"/>
+                <a:cs typeface="Montserrat Semi" charset="0"/>
+                <a:sym typeface="Poppins Medium" charset="0"/>
+              </a:rPr>
+              <a:t>預測</a:t>
+            </a:r>
+            <a:endParaRPr lang="x-none" altLang="x-none" sz="4800" b="1" dirty="0">
+              <a:solidFill>
+                <a:schemeClr val="bg1"/>
+              </a:solidFill>
+              <a:latin typeface="Montserrat" pitchFamily="2" charset="0"/>
+              <a:ea typeface="Montserrat Semi" charset="0"/>
+              <a:cs typeface="Montserrat Semi" charset="0"/>
+              <a:sym typeface="Poppins Medium" charset="0"/>
+            </a:endParaRPr>
+          </a:p>
+        </p:txBody>
+      </p:sp>
+      <p:sp>
+        <p:nvSpPr>
+          <p:cNvPr id="8" name="Прямоугольник 7">
+            <a:extLst>
+              <a:ext uri="{FF2B5EF4-FFF2-40B4-BE49-F238E27FC236}">
+                <a16:creationId xmlns:a16="http://schemas.microsoft.com/office/drawing/2014/main" id="{C8FA08AA-2BD2-C64E-993B-7BAF5F5B281E}"/>
+              </a:ext>
+            </a:extLst>
+          </p:cNvPr>
+          <p:cNvSpPr/>
+          <p:nvPr/>
+        </p:nvSpPr>
+        <p:spPr bwMode="auto">
+          <a:xfrm>
+            <a:off x="11604625" y="3333201"/>
+            <a:ext cx="587375" cy="192360"/>
+          </a:xfrm>
+          <a:prstGeom prst="rect">
+            <a:avLst/>
+          </a:prstGeom>
+          <a:solidFill>
+            <a:schemeClr val="bg1"/>
+          </a:solidFill>
+          <a:ln w="12700" cap="flat" cmpd="sng" algn="ctr">
+            <a:noFill/>
+            <a:prstDash val="solid"/>
+            <a:miter lim="400000"/>
+            <a:headEnd type="none" w="med" len="med"/>
+            <a:tailEnd type="none" w="med" len="med"/>
+          </a:ln>
+          <a:effectLst/>
+        </p:spPr>
+        <p:txBody>
+          <a:bodyPr vert="horz" wrap="square" lIns="19050" tIns="19050" rIns="19050" bIns="19050" numCol="1" rtlCol="0" anchor="ctr" anchorCtr="0" compatLnSpc="1">
+            <a:prstTxWarp prst="textNoShape">
+              <a:avLst/>
+            </a:prstTxWarp>
+            <a:spAutoFit/>
+          </a:bodyPr>
+          <a:lstStyle/>
+          <a:p>
+            <a:pPr defTabSz="412750" fontAlgn="base" hangingPunct="0">
+              <a:spcBef>
+                <a:spcPct val="0"/>
+              </a:spcBef>
+              <a:spcAft>
+                <a:spcPct val="0"/>
+              </a:spcAft>
+            </a:pPr>
+            <a:endParaRPr lang="ru-RU" sz="1000">
+              <a:solidFill>
+                <a:srgbClr val="74808C"/>
+              </a:solidFill>
+              <a:latin typeface="Poppins" charset="0"/>
+              <a:ea typeface="Poppins" charset="0"/>
+              <a:cs typeface="Poppins" charset="0"/>
+              <a:sym typeface="Poppins" charset="0"/>
+            </a:endParaRPr>
+          </a:p>
+        </p:txBody>
+      </p:sp>
+      <p:sp>
+        <p:nvSpPr>
+          <p:cNvPr id="2" name="文字方塊 1"/>
+          <p:cNvSpPr txBox="1"/>
+          <p:nvPr/>
+        </p:nvSpPr>
+        <p:spPr>
+          <a:xfrm>
+            <a:off x="9670473" y="5693109"/>
+            <a:ext cx="2438400" cy="369332"/>
+          </a:xfrm>
+          <a:prstGeom prst="rect">
+            <a:avLst/>
+          </a:prstGeom>
+          <a:noFill/>
+        </p:spPr>
+        <p:txBody>
+          <a:bodyPr wrap="square" rtlCol="0">
+            <a:spAutoFit/>
+          </a:bodyPr>
+          <a:lstStyle/>
+          <a:p>
+            <a:r>
+              <a:rPr lang="zh-TW" altLang="en-US" dirty="0" smtClean="0"/>
+              <a:t>財金二 施詠瀚</a:t>
+            </a:r>
+            <a:endParaRPr lang="zh-TW" altLang="en-US" dirty="0"/>
+          </a:p>
+        </p:txBody>
+      </p:sp>
     </p:spTree>
     <p:extLst>
       <p:ext uri="{BB962C8B-B14F-4D97-AF65-F5344CB8AC3E}">
-        <p14:creationId xmlns:p14="http://schemas.microsoft.com/office/powerpoint/2010/main" val="860204546"/>
+        <p14:creationId xmlns:p14="http://schemas.microsoft.com/office/powerpoint/2010/main" val="3728218513"/>
       </p:ext>
     </p:extLst>
   </p:cSld>
@@ -15226,6 +15099,437 @@
                 <a:cs typeface="Montserrat Semi" charset="0"/>
                 <a:sym typeface="Poppins Medium" charset="0"/>
               </a:rPr>
+              <a:t>Insurance </a:t>
+            </a:r>
+            <a:r>
+              <a:rPr lang="en-US" altLang="zh-TW" sz="4000" b="1" dirty="0" smtClean="0">
+                <a:solidFill>
+                  <a:srgbClr val="292729"/>
+                </a:solidFill>
+                <a:latin typeface="Montserrat" pitchFamily="2" charset="0"/>
+                <a:ea typeface="Montserrat Semi" charset="0"/>
+                <a:cs typeface="Montserrat Semi" charset="0"/>
+                <a:sym typeface="Poppins Medium" charset="0"/>
+              </a:rPr>
+              <a:t>Crawl</a:t>
+            </a:r>
+            <a:endParaRPr lang="en-US" altLang="x-none" sz="2000" b="1" dirty="0" smtClean="0">
+              <a:solidFill>
+                <a:srgbClr val="03DEB1"/>
+              </a:solidFill>
+              <a:latin typeface="Montserrat" pitchFamily="2" charset="0"/>
+              <a:ea typeface="Montserrat Semi" charset="0"/>
+              <a:cs typeface="Montserrat Semi" charset="0"/>
+              <a:sym typeface="Poppins Medium" charset="0"/>
+            </a:endParaRPr>
+          </a:p>
+          <a:p>
+            <a:pPr defTabSz="412750" fontAlgn="base" hangingPunct="0">
+              <a:spcBef>
+                <a:spcPct val="0"/>
+              </a:spcBef>
+              <a:spcAft>
+                <a:spcPct val="0"/>
+              </a:spcAft>
+              <a:defRPr/>
+            </a:pPr>
+            <a:r>
+              <a:rPr lang="en-US" altLang="x-none" sz="2000" b="1" dirty="0" smtClean="0">
+                <a:solidFill>
+                  <a:srgbClr val="03DEB1"/>
+                </a:solidFill>
+                <a:latin typeface="Montserrat" pitchFamily="2" charset="0"/>
+                <a:ea typeface="Montserrat Semi" charset="0"/>
+                <a:cs typeface="Montserrat Semi" charset="0"/>
+                <a:sym typeface="Poppins Medium" charset="0"/>
+              </a:rPr>
+              <a:t>Using keyword “</a:t>
+            </a:r>
+            <a:r>
+              <a:rPr lang="zh-TW" altLang="en-US" sz="2000" b="1" dirty="0" smtClean="0">
+                <a:solidFill>
+                  <a:srgbClr val="03DEB1"/>
+                </a:solidFill>
+                <a:latin typeface="Montserrat" pitchFamily="2" charset="0"/>
+                <a:ea typeface="Montserrat Semi" charset="0"/>
+                <a:cs typeface="Montserrat Semi" charset="0"/>
+                <a:sym typeface="Poppins Medium" charset="0"/>
+              </a:rPr>
+              <a:t>南山</a:t>
+            </a:r>
+            <a:r>
+              <a:rPr lang="en-US" altLang="x-none" sz="2000" b="1" dirty="0" smtClean="0">
+                <a:solidFill>
+                  <a:srgbClr val="03DEB1"/>
+                </a:solidFill>
+                <a:latin typeface="Montserrat" pitchFamily="2" charset="0"/>
+                <a:ea typeface="Montserrat Semi" charset="0"/>
+                <a:cs typeface="Montserrat Semi" charset="0"/>
+                <a:sym typeface="Poppins Medium" charset="0"/>
+              </a:rPr>
+              <a:t>”</a:t>
+            </a:r>
+            <a:r>
+              <a:rPr lang="zh-TW" altLang="en-US" sz="2000" b="1" dirty="0" smtClean="0">
+                <a:solidFill>
+                  <a:srgbClr val="03DEB1"/>
+                </a:solidFill>
+                <a:latin typeface="Montserrat" pitchFamily="2" charset="0"/>
+                <a:ea typeface="Montserrat Semi" charset="0"/>
+                <a:cs typeface="Montserrat Semi" charset="0"/>
+                <a:sym typeface="Poppins Medium" charset="0"/>
+              </a:rPr>
+              <a:t> </a:t>
+            </a:r>
+            <a:r>
+              <a:rPr lang="en-US" altLang="zh-TW" sz="2000" b="1" dirty="0" smtClean="0">
+                <a:solidFill>
+                  <a:srgbClr val="03DEB1"/>
+                </a:solidFill>
+                <a:latin typeface="Montserrat" pitchFamily="2" charset="0"/>
+                <a:ea typeface="Montserrat Semi" charset="0"/>
+                <a:cs typeface="Montserrat Semi" charset="0"/>
+                <a:sym typeface="Poppins Medium" charset="0"/>
+              </a:rPr>
+              <a:t>to crawl data from </a:t>
+            </a:r>
+            <a:r>
+              <a:rPr lang="en-US" altLang="zh-TW" sz="2000" b="1" dirty="0" err="1" smtClean="0">
+                <a:solidFill>
+                  <a:srgbClr val="03DEB1"/>
+                </a:solidFill>
+                <a:latin typeface="Montserrat" pitchFamily="2" charset="0"/>
+                <a:ea typeface="Montserrat Semi" charset="0"/>
+                <a:cs typeface="Montserrat Semi" charset="0"/>
+                <a:sym typeface="Poppins Medium" charset="0"/>
+              </a:rPr>
+              <a:t>ptt</a:t>
+            </a:r>
+            <a:endParaRPr lang="en-US" altLang="x-none" sz="2000" b="1" dirty="0" smtClean="0">
+              <a:solidFill>
+                <a:srgbClr val="03DEB1"/>
+              </a:solidFill>
+              <a:latin typeface="Montserrat" pitchFamily="2" charset="0"/>
+              <a:ea typeface="Montserrat Semi" charset="0"/>
+              <a:cs typeface="Montserrat Semi" charset="0"/>
+              <a:sym typeface="Poppins Medium" charset="0"/>
+            </a:endParaRPr>
+          </a:p>
+          <a:p>
+            <a:pPr defTabSz="412750" fontAlgn="base" hangingPunct="0">
+              <a:spcBef>
+                <a:spcPct val="0"/>
+              </a:spcBef>
+              <a:spcAft>
+                <a:spcPct val="0"/>
+              </a:spcAft>
+              <a:defRPr/>
+            </a:pPr>
+            <a:endParaRPr lang="en-US" altLang="x-none" sz="2000" b="1" dirty="0">
+              <a:solidFill>
+                <a:srgbClr val="03DEB1"/>
+              </a:solidFill>
+              <a:latin typeface="Montserrat" pitchFamily="2" charset="0"/>
+              <a:ea typeface="Montserrat Semi" charset="0"/>
+              <a:cs typeface="Montserrat Semi" charset="0"/>
+              <a:sym typeface="Poppins Medium" charset="0"/>
+            </a:endParaRPr>
+          </a:p>
+          <a:p>
+            <a:pPr defTabSz="412750" fontAlgn="base" hangingPunct="0">
+              <a:spcBef>
+                <a:spcPct val="0"/>
+              </a:spcBef>
+              <a:spcAft>
+                <a:spcPct val="0"/>
+              </a:spcAft>
+              <a:defRPr/>
+            </a:pPr>
+            <a:endParaRPr lang="en-US" altLang="x-none" sz="2000" b="1" dirty="0" smtClean="0">
+              <a:solidFill>
+                <a:srgbClr val="03DEB1"/>
+              </a:solidFill>
+              <a:latin typeface="Montserrat" pitchFamily="2" charset="0"/>
+              <a:ea typeface="Montserrat Semi" charset="0"/>
+              <a:cs typeface="Montserrat Semi" charset="0"/>
+              <a:sym typeface="Poppins Medium" charset="0"/>
+            </a:endParaRPr>
+          </a:p>
+          <a:p>
+            <a:pPr algn="ctr" defTabSz="412750" fontAlgn="base" hangingPunct="0">
+              <a:spcBef>
+                <a:spcPct val="0"/>
+              </a:spcBef>
+              <a:spcAft>
+                <a:spcPct val="0"/>
+              </a:spcAft>
+              <a:defRPr/>
+            </a:pPr>
+            <a:r>
+              <a:rPr lang="en-US" altLang="x-none" b="1" dirty="0" smtClean="0">
+                <a:solidFill>
+                  <a:srgbClr val="03DEB1"/>
+                </a:solidFill>
+                <a:latin typeface="Montserrat" pitchFamily="2" charset="0"/>
+                <a:ea typeface="Montserrat Semi" charset="0"/>
+                <a:cs typeface="Montserrat Semi" charset="0"/>
+                <a:sym typeface="Poppins Medium" charset="0"/>
+              </a:rPr>
+              <a:t>Three categories : Author, Title, URL</a:t>
+            </a:r>
+            <a:endParaRPr lang="x-none" altLang="x-none" b="1" dirty="0">
+              <a:solidFill>
+                <a:srgbClr val="03DEB1"/>
+              </a:solidFill>
+              <a:latin typeface="Montserrat" pitchFamily="2" charset="0"/>
+              <a:ea typeface="Montserrat Semi" charset="0"/>
+              <a:cs typeface="Montserrat Semi" charset="0"/>
+              <a:sym typeface="Poppins Medium" charset="0"/>
+            </a:endParaRPr>
+          </a:p>
+        </p:txBody>
+      </p:sp>
+      <p:pic>
+        <p:nvPicPr>
+          <p:cNvPr id="5" name="圖片 4"/>
+          <p:cNvPicPr>
+            <a:picLocks noChangeAspect="1"/>
+          </p:cNvPicPr>
+          <p:nvPr/>
+        </p:nvPicPr>
+        <p:blipFill>
+          <a:blip r:embed="rId2"/>
+          <a:stretch>
+            <a:fillRect/>
+          </a:stretch>
+        </p:blipFill>
+        <p:spPr>
+          <a:xfrm>
+            <a:off x="2522250" y="2967739"/>
+            <a:ext cx="7743825" cy="2228850"/>
+          </a:xfrm>
+          <a:prstGeom prst="rect">
+            <a:avLst/>
+          </a:prstGeom>
+        </p:spPr>
+      </p:pic>
+      <p:sp>
+        <p:nvSpPr>
+          <p:cNvPr id="9" name="矩形 8"/>
+          <p:cNvSpPr/>
+          <p:nvPr/>
+        </p:nvSpPr>
+        <p:spPr bwMode="auto">
+          <a:xfrm>
+            <a:off x="-353480" y="6416565"/>
+            <a:ext cx="13495283" cy="108000"/>
+          </a:xfrm>
+          <a:prstGeom prst="rect">
+            <a:avLst/>
+          </a:prstGeom>
+          <a:solidFill>
+            <a:srgbClr val="03DEB1"/>
+          </a:solidFill>
+          <a:ln w="12700" cap="flat" cmpd="sng" algn="ctr">
+            <a:noFill/>
+            <a:prstDash val="solid"/>
+            <a:miter lim="400000"/>
+            <a:headEnd type="none" w="med" len="med"/>
+            <a:tailEnd type="none" w="med" len="med"/>
+          </a:ln>
+          <a:effectLst>
+            <a:outerShdw blurRad="25400" algn="ctr" rotWithShape="0">
+              <a:srgbClr val="000000">
+                <a:alpha val="50000"/>
+              </a:srgbClr>
+            </a:outerShdw>
+          </a:effectLst>
+        </p:spPr>
+        <p:txBody>
+          <a:bodyPr vert="horz" wrap="square" lIns="38100" tIns="38100" rIns="38100" bIns="38100" numCol="1" rtlCol="0" anchor="ctr" anchorCtr="0" compatLnSpc="1">
+            <a:prstTxWarp prst="textNoShape">
+              <a:avLst/>
+            </a:prstTxWarp>
+            <a:spAutoFit/>
+          </a:bodyPr>
+          <a:lstStyle/>
+          <a:p>
+            <a:pPr marL="0" marR="0" indent="0" algn="l" defTabSz="825500" rtl="0" eaLnBrk="1" fontAlgn="base" latinLnBrk="0" hangingPunct="0">
+              <a:lnSpc>
+                <a:spcPct val="100000"/>
+              </a:lnSpc>
+              <a:spcBef>
+                <a:spcPct val="0"/>
+              </a:spcBef>
+              <a:spcAft>
+                <a:spcPct val="0"/>
+              </a:spcAft>
+              <a:buClrTx/>
+              <a:buSzTx/>
+              <a:buFontTx/>
+              <a:buNone/>
+              <a:tabLst/>
+            </a:pPr>
+            <a:endParaRPr kumimoji="0" lang="zh-TW" altLang="en-US" sz="2000" b="0" i="0" u="none" strike="noStrike" cap="none" normalizeH="0" baseline="0">
+              <a:ln>
+                <a:noFill/>
+              </a:ln>
+              <a:solidFill>
+                <a:srgbClr val="74808C"/>
+              </a:solidFill>
+              <a:effectLst/>
+              <a:latin typeface="Poppins" charset="0"/>
+              <a:ea typeface="Poppins" charset="0"/>
+              <a:cs typeface="Poppins" charset="0"/>
+              <a:sym typeface="Poppins" charset="0"/>
+            </a:endParaRPr>
+          </a:p>
+        </p:txBody>
+      </p:sp>
+    </p:spTree>
+    <p:extLst>
+      <p:ext uri="{BB962C8B-B14F-4D97-AF65-F5344CB8AC3E}">
+        <p14:creationId xmlns:p14="http://schemas.microsoft.com/office/powerpoint/2010/main" val="860204546"/>
+      </p:ext>
+    </p:extLst>
+  </p:cSld>
+  <p:clrMapOvr>
+    <a:masterClrMapping/>
+  </p:clrMapOvr>
+  <p:transition/>
+  <p:timing>
+    <p:tnLst>
+      <p:par>
+        <p:cTn id="1" dur="indefinite" restart="never" nodeType="tmRoot"/>
+      </p:par>
+    </p:tnLst>
+  </p:timing>
+</p:sld>
+</file>
+
+<file path=ppt/slides/slide3.xml><?xml version="1.0" encoding="utf-8"?>
+<p:sld xmlns:a="http://schemas.openxmlformats.org/drawingml/2006/main" xmlns:r="http://schemas.openxmlformats.org/officeDocument/2006/relationships" xmlns:p="http://schemas.openxmlformats.org/presentationml/2006/main">
+  <p:cSld>
+    <p:spTree>
+      <p:nvGrpSpPr>
+        <p:cNvPr id="1" name=""/>
+        <p:cNvGrpSpPr/>
+        <p:nvPr/>
+      </p:nvGrpSpPr>
+      <p:grpSpPr>
+        <a:xfrm>
+          <a:off x="0" y="0"/>
+          <a:ext cx="0" cy="0"/>
+          <a:chOff x="0" y="0"/>
+          <a:chExt cx="0" cy="0"/>
+        </a:xfrm>
+      </p:grpSpPr>
+      <p:sp>
+        <p:nvSpPr>
+          <p:cNvPr id="41" name="Text Box 3">
+            <a:extLst>
+              <a:ext uri="{FF2B5EF4-FFF2-40B4-BE49-F238E27FC236}">
+                <a16:creationId xmlns:a16="http://schemas.microsoft.com/office/drawing/2014/main" id="{C30C2FCA-6308-7244-94B9-A000AB223382}"/>
+              </a:ext>
+            </a:extLst>
+          </p:cNvPr>
+          <p:cNvSpPr txBox="1">
+            <a:spLocks/>
+          </p:cNvSpPr>
+          <p:nvPr/>
+        </p:nvSpPr>
+        <p:spPr bwMode="auto">
+          <a:xfrm>
+            <a:off x="1016722" y="790071"/>
+            <a:ext cx="11175278" cy="1831181"/>
+          </a:xfrm>
+          <a:prstGeom prst="rect">
+            <a:avLst/>
+          </a:prstGeom>
+          <a:noFill/>
+          <a:ln>
+            <a:noFill/>
+          </a:ln>
+          <a:effectLst/>
+          <a:extLst>
+            <a:ext uri="{909E8E84-426E-40DD-AFC4-6F175D3DCCD1}">
+              <a14:hiddenFill xmlns:a14="http://schemas.microsoft.com/office/drawing/2010/main">
+                <a:solidFill>
+                  <a:srgbClr val="FFFFFF"/>
+                </a:solidFill>
+              </a14:hiddenFill>
+            </a:ext>
+            <a:ext uri="{91240B29-F687-4F45-9708-019B960494DF}">
+              <a14:hiddenLine xmlns:a14="http://schemas.microsoft.com/office/drawing/2010/main" w="3175" cap="flat" cmpd="sng">
+                <a:solidFill>
+                  <a:srgbClr val="000000"/>
+                </a:solidFill>
+                <a:prstDash val="solid"/>
+                <a:miter lim="400000"/>
+                <a:headEnd type="none" w="med" len="med"/>
+                <a:tailEnd type="none" w="med" len="med"/>
+              </a14:hiddenLine>
+            </a:ext>
+            <a:ext uri="{AF507438-7753-43E0-B8FC-AC1667EBCBE1}">
+              <a14:hiddenEffects xmlns:a14="http://schemas.microsoft.com/office/drawing/2010/main">
+                <a:effectLst>
+                  <a:outerShdw blurRad="63500" dist="38099" dir="2700000" algn="ctr" rotWithShape="0">
+                    <a:srgbClr val="000000">
+                      <a:alpha val="74998"/>
+                    </a:srgbClr>
+                  </a:outerShdw>
+                </a:effectLst>
+              </a14:hiddenEffects>
+            </a:ext>
+          </a:extLst>
+        </p:spPr>
+        <p:txBody>
+          <a:bodyPr lIns="19050" tIns="19050" rIns="19050" bIns="19050"/>
+          <a:lstStyle/>
+          <a:p>
+            <a:pPr defTabSz="412750" fontAlgn="base" hangingPunct="0">
+              <a:spcBef>
+                <a:spcPct val="0"/>
+              </a:spcBef>
+              <a:spcAft>
+                <a:spcPct val="0"/>
+              </a:spcAft>
+              <a:defRPr/>
+            </a:pPr>
+            <a:r>
+              <a:rPr lang="en-US" altLang="zh-TW" sz="4000" b="1" dirty="0" smtClean="0">
+                <a:solidFill>
+                  <a:srgbClr val="292729"/>
+                </a:solidFill>
+                <a:latin typeface="Montserrat" pitchFamily="2" charset="0"/>
+                <a:ea typeface="Montserrat Semi" charset="0"/>
+                <a:cs typeface="Montserrat Semi" charset="0"/>
+                <a:sym typeface="Poppins Medium" charset="0"/>
+              </a:rPr>
+              <a:t>PTT</a:t>
+            </a:r>
+            <a:r>
+              <a:rPr lang="zh-TW" altLang="en-US" sz="4000" b="1" dirty="0" smtClean="0">
+                <a:solidFill>
+                  <a:srgbClr val="292729"/>
+                </a:solidFill>
+                <a:latin typeface="Montserrat" pitchFamily="2" charset="0"/>
+                <a:ea typeface="Montserrat Semi" charset="0"/>
+                <a:cs typeface="Montserrat Semi" charset="0"/>
+                <a:sym typeface="Poppins Medium" charset="0"/>
+              </a:rPr>
+              <a:t> </a:t>
+            </a:r>
+            <a:r>
+              <a:rPr lang="en-US" altLang="zh-TW" sz="4000" b="1" dirty="0">
+                <a:solidFill>
+                  <a:srgbClr val="292729"/>
+                </a:solidFill>
+                <a:latin typeface="Montserrat" pitchFamily="2" charset="0"/>
+                <a:ea typeface="Montserrat Semi" charset="0"/>
+                <a:cs typeface="Montserrat Semi" charset="0"/>
+                <a:sym typeface="Poppins Medium" charset="0"/>
+              </a:rPr>
               <a:t>Insurance Crawl</a:t>
             </a:r>
             <a:endParaRPr lang="x-none" altLang="x-none" sz="4000" b="1" dirty="0">
@@ -15414,7 +15718,7 @@
 </p:sld>
 </file>
 
-<file path=ppt/slides/slide3.xml><?xml version="1.0" encoding="utf-8"?>
+<file path=ppt/slides/slide4.xml><?xml version="1.0" encoding="utf-8"?>
 <p:sld xmlns:a="http://schemas.openxmlformats.org/drawingml/2006/main" xmlns:r="http://schemas.openxmlformats.org/officeDocument/2006/relationships" xmlns:p="http://schemas.openxmlformats.org/presentationml/2006/main">
   <p:cSld>
     <p:spTree>
@@ -16244,7 +16548,7 @@
 </p:sld>
 </file>
 
-<file path=ppt/slides/slide4.xml><?xml version="1.0" encoding="utf-8"?>
+<file path=ppt/slides/slide5.xml><?xml version="1.0" encoding="utf-8"?>
 <p:sld xmlns:a="http://schemas.openxmlformats.org/drawingml/2006/main" xmlns:r="http://schemas.openxmlformats.org/officeDocument/2006/relationships" xmlns:p="http://schemas.openxmlformats.org/presentationml/2006/main">
   <p:cSld>
     <p:spTree>
@@ -16743,336 +17047,6 @@
     <p:extLst>
       <p:ext uri="{BB962C8B-B14F-4D97-AF65-F5344CB8AC3E}">
         <p14:creationId xmlns:p14="http://schemas.microsoft.com/office/powerpoint/2010/main" val="245273577"/>
-      </p:ext>
-    </p:extLst>
-  </p:cSld>
-  <p:clrMapOvr>
-    <a:masterClrMapping/>
-  </p:clrMapOvr>
-  <p:transition/>
-  <p:timing>
-    <p:tnLst>
-      <p:par>
-        <p:cTn id="1" dur="indefinite" restart="never" nodeType="tmRoot"/>
-      </p:par>
-    </p:tnLst>
-  </p:timing>
-</p:sld>
-</file>
-
-<file path=ppt/slides/slide5.xml><?xml version="1.0" encoding="utf-8"?>
-<p:sld xmlns:a="http://schemas.openxmlformats.org/drawingml/2006/main" xmlns:r="http://schemas.openxmlformats.org/officeDocument/2006/relationships" xmlns:p="http://schemas.openxmlformats.org/presentationml/2006/main">
-  <p:cSld>
-    <p:spTree>
-      <p:nvGrpSpPr>
-        <p:cNvPr id="1" name=""/>
-        <p:cNvGrpSpPr/>
-        <p:nvPr/>
-      </p:nvGrpSpPr>
-      <p:grpSpPr>
-        <a:xfrm>
-          <a:off x="0" y="0"/>
-          <a:ext cx="0" cy="0"/>
-          <a:chOff x="0" y="0"/>
-          <a:chExt cx="0" cy="0"/>
-        </a:xfrm>
-      </p:grpSpPr>
-      <p:sp>
-        <p:nvSpPr>
-          <p:cNvPr id="41" name="Text Box 3">
-            <a:extLst>
-              <a:ext uri="{FF2B5EF4-FFF2-40B4-BE49-F238E27FC236}">
-                <a16:creationId xmlns:a16="http://schemas.microsoft.com/office/drawing/2014/main" id="{C30C2FCA-6308-7244-94B9-A000AB223382}"/>
-              </a:ext>
-            </a:extLst>
-          </p:cNvPr>
-          <p:cNvSpPr txBox="1">
-            <a:spLocks/>
-          </p:cNvSpPr>
-          <p:nvPr/>
-        </p:nvSpPr>
-        <p:spPr bwMode="auto">
-          <a:xfrm>
-            <a:off x="165822" y="217694"/>
-            <a:ext cx="11175278" cy="1831181"/>
-          </a:xfrm>
-          <a:prstGeom prst="rect">
-            <a:avLst/>
-          </a:prstGeom>
-          <a:noFill/>
-          <a:ln>
-            <a:noFill/>
-          </a:ln>
-          <a:effectLst/>
-          <a:extLst>
-            <a:ext uri="{909E8E84-426E-40DD-AFC4-6F175D3DCCD1}">
-              <a14:hiddenFill xmlns:a14="http://schemas.microsoft.com/office/drawing/2010/main">
-                <a:solidFill>
-                  <a:srgbClr val="FFFFFF"/>
-                </a:solidFill>
-              </a14:hiddenFill>
-            </a:ext>
-            <a:ext uri="{91240B29-F687-4F45-9708-019B960494DF}">
-              <a14:hiddenLine xmlns:a14="http://schemas.microsoft.com/office/drawing/2010/main" w="3175" cap="flat" cmpd="sng">
-                <a:solidFill>
-                  <a:srgbClr val="000000"/>
-                </a:solidFill>
-                <a:prstDash val="solid"/>
-                <a:miter lim="400000"/>
-                <a:headEnd type="none" w="med" len="med"/>
-                <a:tailEnd type="none" w="med" len="med"/>
-              </a14:hiddenLine>
-            </a:ext>
-            <a:ext uri="{AF507438-7753-43E0-B8FC-AC1667EBCBE1}">
-              <a14:hiddenEffects xmlns:a14="http://schemas.microsoft.com/office/drawing/2010/main">
-                <a:effectLst>
-                  <a:outerShdw blurRad="63500" dist="38099" dir="2700000" algn="ctr" rotWithShape="0">
-                    <a:srgbClr val="000000">
-                      <a:alpha val="74998"/>
-                    </a:srgbClr>
-                  </a:outerShdw>
-                </a:effectLst>
-              </a14:hiddenEffects>
-            </a:ext>
-          </a:extLst>
-        </p:spPr>
-        <p:txBody>
-          <a:bodyPr lIns="19050" tIns="19050" rIns="19050" bIns="19050"/>
-          <a:lstStyle/>
-          <a:p>
-            <a:pPr defTabSz="412750" fontAlgn="base" hangingPunct="0">
-              <a:spcBef>
-                <a:spcPct val="0"/>
-              </a:spcBef>
-              <a:spcAft>
-                <a:spcPct val="0"/>
-              </a:spcAft>
-              <a:defRPr/>
-            </a:pPr>
-            <a:r>
-              <a:rPr lang="en-US" altLang="zh-TW" sz="4000" b="1" dirty="0" smtClean="0">
-                <a:solidFill>
-                  <a:srgbClr val="292729"/>
-                </a:solidFill>
-                <a:latin typeface="Montserrat" pitchFamily="2" charset="0"/>
-                <a:ea typeface="Montserrat Semi" charset="0"/>
-                <a:cs typeface="Montserrat Semi" charset="0"/>
-                <a:sym typeface="Poppins Medium" charset="0"/>
-              </a:rPr>
-              <a:t>PTT</a:t>
-            </a:r>
-            <a:r>
-              <a:rPr lang="zh-TW" altLang="en-US" sz="4000" b="1" dirty="0" smtClean="0">
-                <a:solidFill>
-                  <a:srgbClr val="292729"/>
-                </a:solidFill>
-                <a:latin typeface="Montserrat" pitchFamily="2" charset="0"/>
-                <a:ea typeface="Montserrat Semi" charset="0"/>
-                <a:cs typeface="Montserrat Semi" charset="0"/>
-                <a:sym typeface="Poppins Medium" charset="0"/>
-              </a:rPr>
-              <a:t> </a:t>
-            </a:r>
-            <a:r>
-              <a:rPr lang="en-US" altLang="zh-TW" sz="4000" b="1" dirty="0">
-                <a:solidFill>
-                  <a:srgbClr val="292729"/>
-                </a:solidFill>
-                <a:latin typeface="Montserrat" pitchFamily="2" charset="0"/>
-                <a:ea typeface="Montserrat Semi" charset="0"/>
-                <a:cs typeface="Montserrat Semi" charset="0"/>
-                <a:sym typeface="Poppins Medium" charset="0"/>
-              </a:rPr>
-              <a:t>Insurance Crawl</a:t>
-            </a:r>
-            <a:endParaRPr lang="x-none" altLang="x-none" sz="4000" b="1" dirty="0">
-              <a:solidFill>
-                <a:srgbClr val="03DEB1"/>
-              </a:solidFill>
-              <a:latin typeface="Montserrat" pitchFamily="2" charset="0"/>
-              <a:ea typeface="Montserrat Semi" charset="0"/>
-              <a:cs typeface="Montserrat Semi" charset="0"/>
-              <a:sym typeface="Poppins Medium" charset="0"/>
-            </a:endParaRPr>
-          </a:p>
-          <a:p>
-            <a:pPr defTabSz="412750" fontAlgn="base" hangingPunct="0">
-              <a:spcBef>
-                <a:spcPct val="0"/>
-              </a:spcBef>
-              <a:spcAft>
-                <a:spcPct val="0"/>
-              </a:spcAft>
-              <a:defRPr/>
-            </a:pPr>
-            <a:r>
-              <a:rPr lang="en-US" altLang="x-none" sz="2000" b="1" dirty="0" smtClean="0">
-                <a:solidFill>
-                  <a:srgbClr val="03DEB1"/>
-                </a:solidFill>
-                <a:latin typeface="Montserrat" pitchFamily="2" charset="0"/>
-                <a:ea typeface="Montserrat Semi" charset="0"/>
-                <a:cs typeface="Montserrat Semi" charset="0"/>
-                <a:sym typeface="Poppins Medium" charset="0"/>
-              </a:rPr>
-              <a:t>PCA to 2 components</a:t>
-            </a:r>
-            <a:endParaRPr lang="x-none" altLang="x-none" sz="2000" b="1" dirty="0">
-              <a:solidFill>
-                <a:srgbClr val="03DEB1"/>
-              </a:solidFill>
-              <a:latin typeface="Montserrat" pitchFamily="2" charset="0"/>
-              <a:ea typeface="Montserrat Semi" charset="0"/>
-              <a:cs typeface="Montserrat Semi" charset="0"/>
-              <a:sym typeface="Poppins Medium" charset="0"/>
-            </a:endParaRPr>
-          </a:p>
-        </p:txBody>
-      </p:sp>
-      <p:sp>
-        <p:nvSpPr>
-          <p:cNvPr id="8" name="矩形 7"/>
-          <p:cNvSpPr/>
-          <p:nvPr/>
-        </p:nvSpPr>
-        <p:spPr bwMode="auto">
-          <a:xfrm>
-            <a:off x="-353480" y="6581665"/>
-            <a:ext cx="13495283" cy="108000"/>
-          </a:xfrm>
-          <a:prstGeom prst="rect">
-            <a:avLst/>
-          </a:prstGeom>
-          <a:solidFill>
-            <a:srgbClr val="03DEB1"/>
-          </a:solidFill>
-          <a:ln w="12700" cap="flat" cmpd="sng" algn="ctr">
-            <a:noFill/>
-            <a:prstDash val="solid"/>
-            <a:miter lim="400000"/>
-            <a:headEnd type="none" w="med" len="med"/>
-            <a:tailEnd type="none" w="med" len="med"/>
-          </a:ln>
-          <a:effectLst>
-            <a:outerShdw blurRad="25400" algn="ctr" rotWithShape="0">
-              <a:srgbClr val="000000">
-                <a:alpha val="50000"/>
-              </a:srgbClr>
-            </a:outerShdw>
-          </a:effectLst>
-        </p:spPr>
-        <p:txBody>
-          <a:bodyPr vert="horz" wrap="square" lIns="38100" tIns="38100" rIns="38100" bIns="38100" numCol="1" rtlCol="0" anchor="ctr" anchorCtr="0" compatLnSpc="1">
-            <a:prstTxWarp prst="textNoShape">
-              <a:avLst/>
-            </a:prstTxWarp>
-            <a:spAutoFit/>
-          </a:bodyPr>
-          <a:lstStyle/>
-          <a:p>
-            <a:pPr marL="0" marR="0" indent="0" algn="l" defTabSz="825500" rtl="0" eaLnBrk="1" fontAlgn="base" latinLnBrk="0" hangingPunct="0">
-              <a:lnSpc>
-                <a:spcPct val="100000"/>
-              </a:lnSpc>
-              <a:spcBef>
-                <a:spcPct val="0"/>
-              </a:spcBef>
-              <a:spcAft>
-                <a:spcPct val="0"/>
-              </a:spcAft>
-              <a:buClrTx/>
-              <a:buSzTx/>
-              <a:buFontTx/>
-              <a:buNone/>
-              <a:tabLst/>
-            </a:pPr>
-            <a:endParaRPr kumimoji="0" lang="zh-TW" altLang="en-US" sz="2000" b="0" i="0" u="none" strike="noStrike" cap="none" normalizeH="0" baseline="0">
-              <a:ln>
-                <a:noFill/>
-              </a:ln>
-              <a:solidFill>
-                <a:srgbClr val="74808C"/>
-              </a:solidFill>
-              <a:effectLst/>
-              <a:latin typeface="Poppins" charset="0"/>
-              <a:ea typeface="Poppins" charset="0"/>
-              <a:cs typeface="Poppins" charset="0"/>
-              <a:sym typeface="Poppins" charset="0"/>
-            </a:endParaRPr>
-          </a:p>
-        </p:txBody>
-      </p:sp>
-      <p:pic>
-        <p:nvPicPr>
-          <p:cNvPr id="2" name="圖片 1"/>
-          <p:cNvPicPr>
-            <a:picLocks noChangeAspect="1"/>
-          </p:cNvPicPr>
-          <p:nvPr/>
-        </p:nvPicPr>
-        <p:blipFill rotWithShape="1">
-          <a:blip r:embed="rId2">
-            <a:extLst>
-              <a:ext uri="{28A0092B-C50C-407E-A947-70E740481C1C}">
-                <a14:useLocalDpi xmlns:a14="http://schemas.microsoft.com/office/drawing/2010/main" val="0"/>
-              </a:ext>
-            </a:extLst>
-          </a:blip>
-          <a:srcRect l="8861" t="10982" r="5811" b="9598"/>
-          <a:stretch/>
-        </p:blipFill>
-        <p:spPr>
-          <a:xfrm>
-            <a:off x="5120789" y="0"/>
-            <a:ext cx="7071211" cy="6581665"/>
-          </a:xfrm>
-          <a:prstGeom prst="rect">
-            <a:avLst/>
-          </a:prstGeom>
-        </p:spPr>
-      </p:pic>
-      <p:sp>
-        <p:nvSpPr>
-          <p:cNvPr id="5" name="文字方塊 4"/>
-          <p:cNvSpPr txBox="1"/>
-          <p:nvPr/>
-        </p:nvSpPr>
-        <p:spPr>
-          <a:xfrm>
-            <a:off x="508000" y="2374900"/>
-            <a:ext cx="3340100" cy="369332"/>
-          </a:xfrm>
-          <a:prstGeom prst="rect">
-            <a:avLst/>
-          </a:prstGeom>
-          <a:noFill/>
-        </p:spPr>
-        <p:txBody>
-          <a:bodyPr wrap="square" rtlCol="0">
-            <a:spAutoFit/>
-          </a:bodyPr>
-          <a:lstStyle/>
-          <a:p>
-            <a:r>
-              <a:rPr lang="zh-TW" altLang="en-US" dirty="0" smtClean="0">
-                <a:solidFill>
-                  <a:schemeClr val="bg1"/>
-                </a:solidFill>
-              </a:rPr>
-              <a:t>解釋</a:t>
-            </a:r>
-            <a:endParaRPr lang="zh-TW" altLang="en-US" dirty="0">
-              <a:solidFill>
-                <a:schemeClr val="bg1"/>
-              </a:solidFill>
-            </a:endParaRPr>
-          </a:p>
-        </p:txBody>
-      </p:sp>
-    </p:spTree>
-    <p:extLst>
-      <p:ext uri="{BB962C8B-B14F-4D97-AF65-F5344CB8AC3E}">
-        <p14:creationId xmlns:p14="http://schemas.microsoft.com/office/powerpoint/2010/main" val="1411354816"/>
       </p:ext>
     </p:extLst>
   </p:cSld>
@@ -17629,7 +17603,7 @@
           <a:graphicData uri="http://schemas.openxmlformats.org/presentationml/2006/ole">
             <mc:AlternateContent xmlns:mc="http://schemas.openxmlformats.org/markup-compatibility/2006">
               <mc:Choice xmlns:v="urn:schemas-microsoft-com:vml" Requires="v">
-                <p:oleObj spid="_x0000_s1035" name="點陣圖影像" r:id="rId4" imgW="8718480" imgH="4832280" progId="Paint.Picture">
+                <p:oleObj spid="_x0000_s1036" name="點陣圖影像" r:id="rId4" imgW="8718480" imgH="4832280" progId="Paint.Picture">
                   <p:embed/>
                 </p:oleObj>
               </mc:Choice>
@@ -17929,7 +17903,7 @@
           <a:graphicData uri="http://schemas.openxmlformats.org/presentationml/2006/ole">
             <mc:AlternateContent xmlns:mc="http://schemas.openxmlformats.org/markup-compatibility/2006">
               <mc:Choice xmlns:v="urn:schemas-microsoft-com:vml" Requires="v">
-                <p:oleObj spid="_x0000_s2058" name="點陣圖影像" r:id="rId5" imgW="4083120" imgH="2800440" progId="Paint.Picture">
+                <p:oleObj spid="_x0000_s2059" name="點陣圖影像" r:id="rId5" imgW="4083120" imgH="2800440" progId="Paint.Picture">
                   <p:embed/>
                 </p:oleObj>
               </mc:Choice>
